--- a/Car dheko price prediction.pptx
+++ b/Car dheko price prediction.pptx
@@ -122,25 +122,12 @@
 </p:presentation>
 </file>
 
-<file path=ppt/changesInfos/changesInfo1.xml><?xml version="1.0" encoding="utf-8"?>
-<pc:chgInfo xmlns:a="http://schemas.openxmlformats.org/drawingml/2006/main" xmlns:r="http://schemas.openxmlformats.org/officeDocument/2006/relationships" xmlns:ac="http://schemas.microsoft.com/office/drawing/2013/main/command" xmlns:pc="http://schemas.microsoft.com/office/powerpoint/2013/main/command">
-  <pc:docChgLst>
-    <pc:chgData name="arulselvi m" userId="52c032bfccfe0b5d" providerId="LiveId" clId="{14B6D63C-6923-4042-AE31-91E8D8BEAED6}"/>
-    <pc:docChg chg="delSld">
-      <pc:chgData name="arulselvi m" userId="52c032bfccfe0b5d" providerId="LiveId" clId="{14B6D63C-6923-4042-AE31-91E8D8BEAED6}" dt="2024-11-25T19:36:46.702" v="0" actId="2696"/>
-      <pc:docMkLst>
-        <pc:docMk/>
-      </pc:docMkLst>
-      <pc:sldChg chg="del">
-        <pc:chgData name="arulselvi m" userId="52c032bfccfe0b5d" providerId="LiveId" clId="{14B6D63C-6923-4042-AE31-91E8D8BEAED6}" dt="2024-11-25T19:36:46.702" v="0" actId="2696"/>
-        <pc:sldMkLst>
-          <pc:docMk/>
-          <pc:sldMk cId="3958718634" sldId="261"/>
-        </pc:sldMkLst>
-      </pc:sldChg>
-    </pc:docChg>
-  </pc:docChgLst>
-</pc:chgInfo>
+<file path=ppt/revisionInfo.xml><?xml version="1.0" encoding="utf-8"?>
+<p1510:revInfo xmlns:a="http://schemas.openxmlformats.org/drawingml/2006/main" xmlns:r="http://schemas.openxmlformats.org/officeDocument/2006/relationships" xmlns:p1510="http://schemas.microsoft.com/office/powerpoint/2015/10/main">
+  <p1510:revLst>
+    <p1510:client id="{6D76C53B-FE05-4F41-AE6C-1DE0D335E1D9}" v="1" dt="2024-12-03T05:29:00.446"/>
+  </p1510:revLst>
+</p1510:revInfo>
 </file>
 
 <file path=ppt/notesMasters/notesMaster1.xml><?xml version="1.0" encoding="utf-8"?>
@@ -225,7 +212,7 @@
           <a:p>
             <a:fld id="{2801EBFC-8EAA-496C-A397-B4E90F6D6837}" type="datetimeFigureOut">
               <a:rPr lang="en-IN" smtClean="0"/>
-              <a:t>26-11-2024</a:t>
+              <a:t>03-12-2024</a:t>
             </a:fld>
             <a:endParaRPr lang="en-IN"/>
           </a:p>
@@ -754,7 +741,7 @@
           <a:p>
             <a:fld id="{145E2FF6-24C8-4741-9E6A-C0555863BF59}" type="datetimeFigureOut">
               <a:rPr lang="en-IN" smtClean="0"/>
-              <a:t>26-11-2024</a:t>
+              <a:t>03-12-2024</a:t>
             </a:fld>
             <a:endParaRPr lang="en-IN"/>
           </a:p>
@@ -954,7 +941,7 @@
           <a:p>
             <a:fld id="{145E2FF6-24C8-4741-9E6A-C0555863BF59}" type="datetimeFigureOut">
               <a:rPr lang="en-IN" smtClean="0"/>
-              <a:t>26-11-2024</a:t>
+              <a:t>03-12-2024</a:t>
             </a:fld>
             <a:endParaRPr lang="en-IN"/>
           </a:p>
@@ -1164,7 +1151,7 @@
           <a:p>
             <a:fld id="{145E2FF6-24C8-4741-9E6A-C0555863BF59}" type="datetimeFigureOut">
               <a:rPr lang="en-IN" smtClean="0"/>
-              <a:t>26-11-2024</a:t>
+              <a:t>03-12-2024</a:t>
             </a:fld>
             <a:endParaRPr lang="en-IN"/>
           </a:p>
@@ -1364,7 +1351,7 @@
           <a:p>
             <a:fld id="{145E2FF6-24C8-4741-9E6A-C0555863BF59}" type="datetimeFigureOut">
               <a:rPr lang="en-IN" smtClean="0"/>
-              <a:t>26-11-2024</a:t>
+              <a:t>03-12-2024</a:t>
             </a:fld>
             <a:endParaRPr lang="en-IN"/>
           </a:p>
@@ -1640,7 +1627,7 @@
           <a:p>
             <a:fld id="{145E2FF6-24C8-4741-9E6A-C0555863BF59}" type="datetimeFigureOut">
               <a:rPr lang="en-IN" smtClean="0"/>
-              <a:t>26-11-2024</a:t>
+              <a:t>03-12-2024</a:t>
             </a:fld>
             <a:endParaRPr lang="en-IN"/>
           </a:p>
@@ -1908,7 +1895,7 @@
           <a:p>
             <a:fld id="{145E2FF6-24C8-4741-9E6A-C0555863BF59}" type="datetimeFigureOut">
               <a:rPr lang="en-IN" smtClean="0"/>
-              <a:t>26-11-2024</a:t>
+              <a:t>03-12-2024</a:t>
             </a:fld>
             <a:endParaRPr lang="en-IN"/>
           </a:p>
@@ -2323,7 +2310,7 @@
           <a:p>
             <a:fld id="{145E2FF6-24C8-4741-9E6A-C0555863BF59}" type="datetimeFigureOut">
               <a:rPr lang="en-IN" smtClean="0"/>
-              <a:t>26-11-2024</a:t>
+              <a:t>03-12-2024</a:t>
             </a:fld>
             <a:endParaRPr lang="en-IN"/>
           </a:p>
@@ -2465,7 +2452,7 @@
           <a:p>
             <a:fld id="{145E2FF6-24C8-4741-9E6A-C0555863BF59}" type="datetimeFigureOut">
               <a:rPr lang="en-IN" smtClean="0"/>
-              <a:t>26-11-2024</a:t>
+              <a:t>03-12-2024</a:t>
             </a:fld>
             <a:endParaRPr lang="en-IN"/>
           </a:p>
@@ -2578,7 +2565,7 @@
           <a:p>
             <a:fld id="{145E2FF6-24C8-4741-9E6A-C0555863BF59}" type="datetimeFigureOut">
               <a:rPr lang="en-IN" smtClean="0"/>
-              <a:t>26-11-2024</a:t>
+              <a:t>03-12-2024</a:t>
             </a:fld>
             <a:endParaRPr lang="en-IN"/>
           </a:p>
@@ -2891,7 +2878,7 @@
           <a:p>
             <a:fld id="{145E2FF6-24C8-4741-9E6A-C0555863BF59}" type="datetimeFigureOut">
               <a:rPr lang="en-IN" smtClean="0"/>
-              <a:t>26-11-2024</a:t>
+              <a:t>03-12-2024</a:t>
             </a:fld>
             <a:endParaRPr lang="en-IN"/>
           </a:p>
@@ -3180,7 +3167,7 @@
           <a:p>
             <a:fld id="{145E2FF6-24C8-4741-9E6A-C0555863BF59}" type="datetimeFigureOut">
               <a:rPr lang="en-IN" smtClean="0"/>
-              <a:t>26-11-2024</a:t>
+              <a:t>03-12-2024</a:t>
             </a:fld>
             <a:endParaRPr lang="en-IN"/>
           </a:p>
@@ -3423,7 +3410,7 @@
           <a:p>
             <a:fld id="{145E2FF6-24C8-4741-9E6A-C0555863BF59}" type="datetimeFigureOut">
               <a:rPr lang="en-IN" smtClean="0"/>
-              <a:t>26-11-2024</a:t>
+              <a:t>03-12-2024</a:t>
             </a:fld>
             <a:endParaRPr lang="en-IN"/>
           </a:p>
@@ -5201,7 +5188,7 @@
             <p:ph idx="1"/>
             <p:extLst>
               <p:ext uri="{D42A27DB-BD31-4B8C-83A1-F6EECF244321}">
-                <p14:modId xmlns:p14="http://schemas.microsoft.com/office/powerpoint/2010/main" val="2721527123"/>
+                <p14:modId xmlns:p14="http://schemas.microsoft.com/office/powerpoint/2010/main" val="2293496712"/>
               </p:ext>
             </p:extLst>
           </p:nvPr>
@@ -5298,7 +5285,7 @@
                           <a:latin typeface="Arial" panose="020B0604020202020204" pitchFamily="34" charset="0"/>
                           <a:cs typeface="Arial" panose="020B0604020202020204" pitchFamily="34" charset="0"/>
                         </a:rPr>
-                        <a:t>0.89</a:t>
+                        <a:t>0.82</a:t>
                       </a:r>
                       <a:endParaRPr lang="en-IN" sz="2800" dirty="0">
                         <a:latin typeface="Arial" panose="020B0604020202020204" pitchFamily="34" charset="0"/>
@@ -5345,7 +5332,7 @@
                           <a:latin typeface="Arial" panose="020B0604020202020204" pitchFamily="34" charset="0"/>
                           <a:cs typeface="Arial" panose="020B0604020202020204" pitchFamily="34" charset="0"/>
                         </a:rPr>
-                        <a:t>0.88</a:t>
+                        <a:t>0.89</a:t>
                       </a:r>
                       <a:endParaRPr lang="en-IN" sz="2800" dirty="0">
                         <a:latin typeface="Arial" panose="020B0604020202020204" pitchFamily="34" charset="0"/>
@@ -5368,16 +5355,26 @@
                     <a:lstStyle/>
                     <a:p>
                       <a:r>
+                        <a:rPr lang="en-US" sz="2800" dirty="0">
+                          <a:latin typeface="Arial" panose="020B0604020202020204" pitchFamily="34" charset="0"/>
+                          <a:cs typeface="Arial" panose="020B0604020202020204" pitchFamily="34" charset="0"/>
+                        </a:rPr>
+                        <a:t>L</a:t>
+                      </a:r>
+                      <a:r>
                         <a:rPr lang="en-IN" sz="2800" dirty="0" err="1">
                           <a:latin typeface="Arial" panose="020B0604020202020204" pitchFamily="34" charset="0"/>
                           <a:cs typeface="Arial" panose="020B0604020202020204" pitchFamily="34" charset="0"/>
                         </a:rPr>
-                        <a:t>XGBRegressor</a:t>
+                        <a:t>inear</a:t>
                       </a:r>
-                      <a:endParaRPr lang="en-IN" sz="2800" dirty="0">
-                        <a:latin typeface="Arial" panose="020B0604020202020204" pitchFamily="34" charset="0"/>
-                        <a:cs typeface="Arial" panose="020B0604020202020204" pitchFamily="34" charset="0"/>
-                      </a:endParaRPr>
+                      <a:r>
+                        <a:rPr lang="en-IN" sz="2800" dirty="0">
+                          <a:latin typeface="Arial" panose="020B0604020202020204" pitchFamily="34" charset="0"/>
+                          <a:cs typeface="Arial" panose="020B0604020202020204" pitchFamily="34" charset="0"/>
+                        </a:rPr>
+                        <a:t> regression</a:t>
+                      </a:r>
                     </a:p>
                   </a:txBody>
                   <a:tcPr/>
@@ -5392,7 +5389,7 @@
                           <a:latin typeface="Arial" panose="020B0604020202020204" pitchFamily="34" charset="0"/>
                           <a:cs typeface="Arial" panose="020B0604020202020204" pitchFamily="34" charset="0"/>
                         </a:rPr>
-                        <a:t>0.87</a:t>
+                        <a:t>0.67</a:t>
                       </a:r>
                       <a:endParaRPr lang="en-IN" sz="2800" dirty="0">
                         <a:latin typeface="Arial" panose="020B0604020202020204" pitchFamily="34" charset="0"/>
@@ -5419,7 +5416,7 @@
                           <a:latin typeface="Arial" panose="020B0604020202020204" pitchFamily="34" charset="0"/>
                           <a:cs typeface="Arial" panose="020B0604020202020204" pitchFamily="34" charset="0"/>
                         </a:rPr>
-                        <a:t>RandomForestRegressor</a:t>
+                        <a:t>RandamForestRegressor</a:t>
                       </a:r>
                       <a:r>
                         <a:rPr lang="en-IN" sz="2800" dirty="0">
@@ -5442,12 +5439,8 @@
                           <a:latin typeface="Arial" panose="020B0604020202020204" pitchFamily="34" charset="0"/>
                           <a:cs typeface="Arial" panose="020B0604020202020204" pitchFamily="34" charset="0"/>
                         </a:rPr>
-                        <a:t>0.87</a:t>
+                        <a:t>0.88</a:t>
                       </a:r>
-                      <a:endParaRPr lang="en-IN" sz="2800" dirty="0">
-                        <a:latin typeface="Arial" panose="020B0604020202020204" pitchFamily="34" charset="0"/>
-                        <a:cs typeface="Arial" panose="020B0604020202020204" pitchFamily="34" charset="0"/>
-                      </a:endParaRPr>
                     </a:p>
                   </a:txBody>
                   <a:tcPr/>
@@ -5534,43 +5527,6 @@
           </a:p>
         </p:txBody>
       </p:sp>
-      <p:pic>
-        <p:nvPicPr>
-          <p:cNvPr id="4" name="Picture 3">
-            <a:extLst>
-              <a:ext uri="{FF2B5EF4-FFF2-40B4-BE49-F238E27FC236}">
-                <a16:creationId xmlns:a16="http://schemas.microsoft.com/office/drawing/2014/main" id="{791BBB82-75A2-12B8-BD37-E17D3D917D04}"/>
-              </a:ext>
-            </a:extLst>
-          </p:cNvPr>
-          <p:cNvPicPr>
-            <a:picLocks noChangeAspect="1"/>
-          </p:cNvPicPr>
-          <p:nvPr/>
-        </p:nvPicPr>
-        <p:blipFill rotWithShape="1">
-          <a:blip r:embed="rId2"/>
-          <a:srcRect l="31509" t="13946" r="31000" b="5456"/>
-          <a:stretch/>
-        </p:blipFill>
-        <p:spPr bwMode="auto">
-          <a:xfrm>
-            <a:off x="6980903" y="1027906"/>
-            <a:ext cx="5142271" cy="5830094"/>
-          </a:xfrm>
-          <a:prstGeom prst="rect">
-            <a:avLst/>
-          </a:prstGeom>
-          <a:ln>
-            <a:noFill/>
-          </a:ln>
-          <a:extLst>
-            <a:ext uri="{53640926-AAD7-44D8-BBD7-CCE9431645EC}">
-              <a14:shadowObscured xmlns:a14="http://schemas.microsoft.com/office/drawing/2010/main"/>
-            </a:ext>
-          </a:extLst>
-        </p:spPr>
-      </p:pic>
       <p:sp>
         <p:nvSpPr>
           <p:cNvPr id="5" name="Subtitle 2">
@@ -5827,18 +5783,21 @@
               <a:t> R2 score of “</a:t>
             </a:r>
             <a:r>
-              <a:rPr lang="en-US" sz="3300" dirty="0" err="1">
-                <a:latin typeface="Arial" panose="020B0604020202020204" pitchFamily="34" charset="0"/>
-                <a:cs typeface="Arial" panose="020B0604020202020204" pitchFamily="34" charset="0"/>
-              </a:rPr>
-              <a:t>Gradientboostingregression</a:t>
-            </a:r>
-            <a:r>
               <a:rPr lang="en-US" sz="3300" dirty="0">
-                <a:latin typeface="Arial" panose="020B0604020202020204" pitchFamily="34" charset="0"/>
-                <a:cs typeface="Arial" panose="020B0604020202020204" pitchFamily="34" charset="0"/>
-              </a:rPr>
-              <a:t>” model observed highest among all others</a:t>
+                <a:solidFill>
+                  <a:srgbClr val="FF0000"/>
+                </a:solidFill>
+                <a:latin typeface="Arial" panose="020B0604020202020204" pitchFamily="34" charset="0"/>
+                <a:cs typeface="Arial" panose="020B0604020202020204" pitchFamily="34" charset="0"/>
+              </a:rPr>
+              <a:t>Extra tree regression</a:t>
+            </a:r>
+            <a:r>
+              <a:rPr lang="en-US" sz="3300" dirty="0">
+                <a:latin typeface="Arial" panose="020B0604020202020204" pitchFamily="34" charset="0"/>
+                <a:cs typeface="Arial" panose="020B0604020202020204" pitchFamily="34" charset="0"/>
+              </a:rPr>
+              <a:t>”</a:t>
             </a:r>
           </a:p>
           <a:p>
@@ -5848,8 +5807,35 @@
                 <a:latin typeface="Arial" panose="020B0604020202020204" pitchFamily="34" charset="0"/>
                 <a:cs typeface="Arial" panose="020B0604020202020204" pitchFamily="34" charset="0"/>
               </a:rPr>
+              <a:t> model observed highest among all others</a:t>
+            </a:r>
+          </a:p>
+          <a:p>
+            <a:pPr algn="just"/>
+            <a:r>
+              <a:rPr lang="en-US" sz="3300" dirty="0">
+                <a:latin typeface="Arial" panose="020B0604020202020204" pitchFamily="34" charset="0"/>
+                <a:cs typeface="Arial" panose="020B0604020202020204" pitchFamily="34" charset="0"/>
+              </a:rPr>
               <a:t>Concluding it as the best model for car price prediction</a:t>
             </a:r>
+          </a:p>
+          <a:p>
+            <a:pPr marL="0" indent="0">
+              <a:buNone/>
+            </a:pPr>
+            <a:endParaRPr lang="en-US" sz="2400" dirty="0">
+              <a:latin typeface="+mj-lt"/>
+            </a:endParaRPr>
+          </a:p>
+          <a:p>
+            <a:pPr>
+              <a:buFont typeface="Wingdings" panose="05000000000000000000" pitchFamily="2" charset="2"/>
+              <a:buChar char="q"/>
+            </a:pPr>
+            <a:endParaRPr lang="en-US" dirty="0">
+              <a:latin typeface="+mj-lt"/>
+            </a:endParaRPr>
           </a:p>
           <a:p>
             <a:pPr>
@@ -5865,29 +5851,11 @@
               <a:buFont typeface="Wingdings" panose="05000000000000000000" pitchFamily="2" charset="2"/>
               <a:buChar char="q"/>
             </a:pPr>
-            <a:endParaRPr lang="en-US" dirty="0">
-              <a:latin typeface="+mj-lt"/>
-            </a:endParaRPr>
-          </a:p>
-          <a:p>
-            <a:pPr>
-              <a:buFont typeface="Wingdings" panose="05000000000000000000" pitchFamily="2" charset="2"/>
-              <a:buChar char="q"/>
-            </a:pPr>
             <a:endParaRPr lang="en-US" sz="2400" dirty="0">
               <a:latin typeface="+mj-lt"/>
             </a:endParaRPr>
           </a:p>
           <a:p>
-            <a:pPr>
-              <a:buFont typeface="Wingdings" panose="05000000000000000000" pitchFamily="2" charset="2"/>
-              <a:buChar char="q"/>
-            </a:pPr>
-            <a:endParaRPr lang="en-US" sz="2400" dirty="0">
-              <a:latin typeface="+mj-lt"/>
-            </a:endParaRPr>
-          </a:p>
-          <a:p>
             <a:endParaRPr lang="en-IN" sz="2400" dirty="0">
               <a:latin typeface="+mj-lt"/>
             </a:endParaRPr>
@@ -5897,6 +5865,36 @@
           </a:p>
         </p:txBody>
       </p:sp>
+      <p:pic>
+        <p:nvPicPr>
+          <p:cNvPr id="6" name="Picture 5">
+            <a:extLst>
+              <a:ext uri="{FF2B5EF4-FFF2-40B4-BE49-F238E27FC236}">
+                <a16:creationId xmlns:a16="http://schemas.microsoft.com/office/drawing/2014/main" id="{55EE5F49-F305-5C18-51DC-7FDD437A939D}"/>
+              </a:ext>
+            </a:extLst>
+          </p:cNvPr>
+          <p:cNvPicPr>
+            <a:picLocks noChangeAspect="1"/>
+          </p:cNvPicPr>
+          <p:nvPr/>
+        </p:nvPicPr>
+        <p:blipFill>
+          <a:blip r:embed="rId2"/>
+          <a:stretch>
+            <a:fillRect/>
+          </a:stretch>
+        </p:blipFill>
+        <p:spPr>
+          <a:xfrm>
+            <a:off x="6900344" y="306028"/>
+            <a:ext cx="5215456" cy="6551971"/>
+          </a:xfrm>
+          <a:prstGeom prst="rect">
+            <a:avLst/>
+          </a:prstGeom>
+        </p:spPr>
+      </p:pic>
     </p:spTree>
     <p:extLst>
       <p:ext uri="{BB962C8B-B14F-4D97-AF65-F5344CB8AC3E}">
